--- a/Workshop Content/Day 2 - Python 101/Getting Started with Python Network Automation.pptx
+++ b/Workshop Content/Day 2 - Python 101/Getting Started with Python Network Automation.pptx
@@ -2,69 +2,69 @@
 <file path=ppt/presentation.xml><?xml version="1.0" encoding="utf-8"?>
 <p:presentation xmlns:a="http://schemas.openxmlformats.org/drawingml/2006/main" xmlns:r="http://schemas.openxmlformats.org/officeDocument/2006/relationships" xmlns:p="http://schemas.openxmlformats.org/presentationml/2006/main" strictFirstAndLastChars="0" embedTrueTypeFonts="1" saveSubsetFonts="1" autoCompressPictures="0">
   <p:sldMasterIdLst>
-    <p:sldMasterId id="2147483662" r:id="rId1"/>
+    <p:sldMasterId id="2147483662" r:id="rId3"/>
   </p:sldMasterIdLst>
   <p:notesMasterIdLst>
-    <p:notesMasterId r:id="rId35"/>
+    <p:notesMasterId r:id="rId37"/>
   </p:notesMasterIdLst>
   <p:sldIdLst>
-    <p:sldId id="256" r:id="rId2"/>
-    <p:sldId id="257" r:id="rId3"/>
-    <p:sldId id="258" r:id="rId4"/>
-    <p:sldId id="259" r:id="rId5"/>
-    <p:sldId id="260" r:id="rId6"/>
-    <p:sldId id="261" r:id="rId7"/>
-    <p:sldId id="262" r:id="rId8"/>
-    <p:sldId id="263" r:id="rId9"/>
-    <p:sldId id="264" r:id="rId10"/>
-    <p:sldId id="265" r:id="rId11"/>
-    <p:sldId id="268" r:id="rId12"/>
-    <p:sldId id="290" r:id="rId13"/>
-    <p:sldId id="269" r:id="rId14"/>
-    <p:sldId id="270" r:id="rId15"/>
-    <p:sldId id="271" r:id="rId16"/>
-    <p:sldId id="289" r:id="rId17"/>
-    <p:sldId id="291" r:id="rId18"/>
-    <p:sldId id="272" r:id="rId19"/>
-    <p:sldId id="273" r:id="rId20"/>
-    <p:sldId id="274" r:id="rId21"/>
-    <p:sldId id="275" r:id="rId22"/>
-    <p:sldId id="276" r:id="rId23"/>
-    <p:sldId id="277" r:id="rId24"/>
-    <p:sldId id="279" r:id="rId25"/>
-    <p:sldId id="280" r:id="rId26"/>
-    <p:sldId id="281" r:id="rId27"/>
-    <p:sldId id="282" r:id="rId28"/>
-    <p:sldId id="283" r:id="rId29"/>
-    <p:sldId id="284" r:id="rId30"/>
-    <p:sldId id="285" r:id="rId31"/>
-    <p:sldId id="286" r:id="rId32"/>
-    <p:sldId id="292" r:id="rId33"/>
-    <p:sldId id="288" r:id="rId34"/>
+    <p:sldId id="256" r:id="rId4"/>
+    <p:sldId id="257" r:id="rId5"/>
+    <p:sldId id="258" r:id="rId6"/>
+    <p:sldId id="259" r:id="rId7"/>
+    <p:sldId id="260" r:id="rId8"/>
+    <p:sldId id="261" r:id="rId9"/>
+    <p:sldId id="262" r:id="rId10"/>
+    <p:sldId id="263" r:id="rId11"/>
+    <p:sldId id="264" r:id="rId12"/>
+    <p:sldId id="265" r:id="rId13"/>
+    <p:sldId id="268" r:id="rId14"/>
+    <p:sldId id="290" r:id="rId15"/>
+    <p:sldId id="269" r:id="rId16"/>
+    <p:sldId id="270" r:id="rId17"/>
+    <p:sldId id="271" r:id="rId18"/>
+    <p:sldId id="289" r:id="rId19"/>
+    <p:sldId id="291" r:id="rId20"/>
+    <p:sldId id="272" r:id="rId21"/>
+    <p:sldId id="273" r:id="rId22"/>
+    <p:sldId id="274" r:id="rId23"/>
+    <p:sldId id="275" r:id="rId24"/>
+    <p:sldId id="276" r:id="rId25"/>
+    <p:sldId id="277" r:id="rId26"/>
+    <p:sldId id="279" r:id="rId27"/>
+    <p:sldId id="280" r:id="rId28"/>
+    <p:sldId id="281" r:id="rId29"/>
+    <p:sldId id="282" r:id="rId30"/>
+    <p:sldId id="283" r:id="rId31"/>
+    <p:sldId id="284" r:id="rId32"/>
+    <p:sldId id="285" r:id="rId33"/>
+    <p:sldId id="286" r:id="rId34"/>
+    <p:sldId id="292" r:id="rId35"/>
+    <p:sldId id="288" r:id="rId36"/>
   </p:sldIdLst>
   <p:sldSz cx="9144000" cy="5143500" type="screen16x9"/>
   <p:notesSz cx="6858000" cy="9144000"/>
   <p:embeddedFontLst>
     <p:embeddedFont>
       <p:font typeface="Calibri" panose="020F0502020204030204" pitchFamily="34" charset="0"/>
-      <p:regular r:id="rId36"/>
-      <p:bold r:id="rId37"/>
-      <p:italic r:id="rId38"/>
-      <p:boldItalic r:id="rId39"/>
+      <p:regular r:id="rId38"/>
+      <p:bold r:id="rId39"/>
+      <p:italic r:id="rId40"/>
+      <p:boldItalic r:id="rId41"/>
     </p:embeddedFont>
     <p:embeddedFont>
       <p:font typeface="Roboto" panose="02000000000000000000" pitchFamily="2" charset="0"/>
-      <p:regular r:id="rId40"/>
-      <p:bold r:id="rId41"/>
-      <p:italic r:id="rId42"/>
-      <p:boldItalic r:id="rId43"/>
+      <p:regular r:id="rId42"/>
+      <p:bold r:id="rId43"/>
+      <p:italic r:id="rId44"/>
+      <p:boldItalic r:id="rId45"/>
     </p:embeddedFont>
     <p:embeddedFont>
       <p:font typeface="Source Sans Pro" panose="020B0503030403020204" pitchFamily="34" charset="0"/>
-      <p:regular r:id="rId44"/>
-      <p:bold r:id="rId45"/>
-      <p:italic r:id="rId46"/>
-      <p:boldItalic r:id="rId47"/>
+      <p:regular r:id="rId46"/>
+      <p:bold r:id="rId47"/>
+      <p:italic r:id="rId48"/>
+      <p:boldItalic r:id="rId49"/>
     </p:embeddedFont>
   </p:embeddedFontLst>
   <p:defaultTextStyle>
@@ -315,16 +315,91 @@
 </p:presentation>
 </file>
 
-<file path=ppt/revisionInfo.xml><?xml version="1.0" encoding="utf-8"?>
-<p1510:revInfo xmlns:a="http://schemas.openxmlformats.org/drawingml/2006/main" xmlns:r="http://schemas.openxmlformats.org/officeDocument/2006/relationships" xmlns:p1510="http://schemas.microsoft.com/office/powerpoint/2015/10/main">
-  <p1510:revLst>
-    <p1510:client id="{E0C648B7-5A96-8B47-AB55-F004B870F91C}" v="15" dt="2023-02-05T15:46:08.565"/>
-  </p1510:revLst>
-</p1510:revInfo>
-</file>
-
 <file path=ppt/changesInfos/changesInfo1.xml><?xml version="1.0" encoding="utf-8"?>
 <pc:chgInfo xmlns:a="http://schemas.openxmlformats.org/drawingml/2006/main" xmlns:r="http://schemas.openxmlformats.org/officeDocument/2006/relationships" xmlns:ac="http://schemas.microsoft.com/office/drawing/2013/main/command" xmlns:pc="http://schemas.microsoft.com/office/powerpoint/2013/main/command">
+  <pc:docChgLst>
+    <pc:chgData name="Steve Jones" userId="3314f146-145e-4567-a80f-47985785d0e6" providerId="ADAL" clId="{E0EBC10D-2C9C-0A4E-9A57-1756648E609A}"/>
+    <pc:docChg chg="modSld">
+      <pc:chgData name="Steve Jones" userId="3314f146-145e-4567-a80f-47985785d0e6" providerId="ADAL" clId="{E0EBC10D-2C9C-0A4E-9A57-1756648E609A}" dt="2023-02-09T15:47:14.188" v="35" actId="6549"/>
+      <pc:docMkLst>
+        <pc:docMk/>
+      </pc:docMkLst>
+      <pc:sldChg chg="modSp mod">
+        <pc:chgData name="Steve Jones" userId="3314f146-145e-4567-a80f-47985785d0e6" providerId="ADAL" clId="{E0EBC10D-2C9C-0A4E-9A57-1756648E609A}" dt="2023-02-09T15:45:16.915" v="2" actId="20577"/>
+        <pc:sldMkLst>
+          <pc:docMk/>
+          <pc:sldMk cId="0" sldId="258"/>
+        </pc:sldMkLst>
+        <pc:spChg chg="mod">
+          <ac:chgData name="Steve Jones" userId="3314f146-145e-4567-a80f-47985785d0e6" providerId="ADAL" clId="{E0EBC10D-2C9C-0A4E-9A57-1756648E609A}" dt="2023-02-09T15:45:16.915" v="2" actId="20577"/>
+          <ac:spMkLst>
+            <pc:docMk/>
+            <pc:sldMk cId="0" sldId="258"/>
+            <ac:spMk id="86" creationId="{00000000-0000-0000-0000-000000000000}"/>
+          </ac:spMkLst>
+        </pc:spChg>
+      </pc:sldChg>
+      <pc:sldChg chg="mod modShow">
+        <pc:chgData name="Steve Jones" userId="3314f146-145e-4567-a80f-47985785d0e6" providerId="ADAL" clId="{E0EBC10D-2C9C-0A4E-9A57-1756648E609A}" dt="2023-02-09T15:46:16.272" v="4" actId="729"/>
+        <pc:sldMkLst>
+          <pc:docMk/>
+          <pc:sldMk cId="0" sldId="260"/>
+        </pc:sldMkLst>
+      </pc:sldChg>
+      <pc:sldChg chg="mod modShow">
+        <pc:chgData name="Steve Jones" userId="3314f146-145e-4567-a80f-47985785d0e6" providerId="ADAL" clId="{E0EBC10D-2C9C-0A4E-9A57-1756648E609A}" dt="2023-02-09T15:46:20.801" v="5" actId="729"/>
+        <pc:sldMkLst>
+          <pc:docMk/>
+          <pc:sldMk cId="0" sldId="261"/>
+        </pc:sldMkLst>
+      </pc:sldChg>
+      <pc:sldChg chg="modSp mod">
+        <pc:chgData name="Steve Jones" userId="3314f146-145e-4567-a80f-47985785d0e6" providerId="ADAL" clId="{E0EBC10D-2C9C-0A4E-9A57-1756648E609A}" dt="2023-02-09T15:45:55.102" v="3" actId="6549"/>
+        <pc:sldMkLst>
+          <pc:docMk/>
+          <pc:sldMk cId="0" sldId="263"/>
+        </pc:sldMkLst>
+        <pc:spChg chg="mod">
+          <ac:chgData name="Steve Jones" userId="3314f146-145e-4567-a80f-47985785d0e6" providerId="ADAL" clId="{E0EBC10D-2C9C-0A4E-9A57-1756648E609A}" dt="2023-02-09T15:45:55.102" v="3" actId="6549"/>
+          <ac:spMkLst>
+            <pc:docMk/>
+            <pc:sldMk cId="0" sldId="263"/>
+            <ac:spMk id="129" creationId="{00000000-0000-0000-0000-000000000000}"/>
+          </ac:spMkLst>
+        </pc:spChg>
+      </pc:sldChg>
+      <pc:sldChg chg="modSp mod">
+        <pc:chgData name="Steve Jones" userId="3314f146-145e-4567-a80f-47985785d0e6" providerId="ADAL" clId="{E0EBC10D-2C9C-0A4E-9A57-1756648E609A}" dt="2023-02-09T15:46:51.727" v="20" actId="6549"/>
+        <pc:sldMkLst>
+          <pc:docMk/>
+          <pc:sldMk cId="0" sldId="268"/>
+        </pc:sldMkLst>
+        <pc:spChg chg="mod">
+          <ac:chgData name="Steve Jones" userId="3314f146-145e-4567-a80f-47985785d0e6" providerId="ADAL" clId="{E0EBC10D-2C9C-0A4E-9A57-1756648E609A}" dt="2023-02-09T15:46:51.727" v="20" actId="6549"/>
+          <ac:spMkLst>
+            <pc:docMk/>
+            <pc:sldMk cId="0" sldId="268"/>
+            <ac:spMk id="269" creationId="{00000000-0000-0000-0000-000000000000}"/>
+          </ac:spMkLst>
+        </pc:spChg>
+      </pc:sldChg>
+      <pc:sldChg chg="modSp mod">
+        <pc:chgData name="Steve Jones" userId="3314f146-145e-4567-a80f-47985785d0e6" providerId="ADAL" clId="{E0EBC10D-2C9C-0A4E-9A57-1756648E609A}" dt="2023-02-09T15:47:14.188" v="35" actId="6549"/>
+        <pc:sldMkLst>
+          <pc:docMk/>
+          <pc:sldMk cId="0" sldId="270"/>
+        </pc:sldMkLst>
+        <pc:spChg chg="mod">
+          <ac:chgData name="Steve Jones" userId="3314f146-145e-4567-a80f-47985785d0e6" providerId="ADAL" clId="{E0EBC10D-2C9C-0A4E-9A57-1756648E609A}" dt="2023-02-09T15:47:14.188" v="35" actId="6549"/>
+          <ac:spMkLst>
+            <pc:docMk/>
+            <pc:sldMk cId="0" sldId="270"/>
+            <ac:spMk id="283" creationId="{00000000-0000-0000-0000-000000000000}"/>
+          </ac:spMkLst>
+        </pc:spChg>
+      </pc:sldChg>
+    </pc:docChg>
+  </pc:docChgLst>
   <pc:docChgLst>
     <pc:chgData name="Steve Jones" userId="3314f146-145e-4567-a80f-47985785d0e6" providerId="ADAL" clId="{E0C648B7-5A96-8B47-AB55-F004B870F91C}"/>
     <pc:docChg chg="undo redo custSel addSld delSld modSld modMainMaster">
@@ -12278,7 +12353,7 @@
           </a:bodyPr>
           <a:lstStyle/>
           <a:p>
-            <a:pPr marL="0" marR="0" lvl="0" indent="0" algn="l" rtl="0">
+            <a:pPr marL="342900" marR="0" lvl="0" indent="-342900" algn="l" rtl="0">
               <a:lnSpc>
                 <a:spcPct val="107000"/>
               </a:lnSpc>
@@ -12288,7 +12363,8 @@
               <a:spcAft>
                 <a:spcPts val="0"/>
               </a:spcAft>
-              <a:buNone/>
+              <a:buFont typeface="+mj-lt"/>
+              <a:buAutoNum type="arabicPeriod"/>
             </a:pPr>
             <a:r>
               <a:rPr lang="en-US" sz="1400">
@@ -12300,12 +12376,12 @@
                 <a:cs typeface="Arial"/>
                 <a:sym typeface="Arial"/>
               </a:rPr>
-              <a:t># Connect to the Switch</a:t>
+              <a:t>Connect to the Switch</a:t>
             </a:r>
             <a:endParaRPr/>
           </a:p>
           <a:p>
-            <a:pPr marL="0" marR="0" lvl="0" indent="0" algn="l" rtl="0">
+            <a:pPr marL="342900" marR="0" lvl="0" indent="-342900" algn="l" rtl="0">
               <a:lnSpc>
                 <a:spcPct val="107000"/>
               </a:lnSpc>
@@ -12315,20 +12391,25 @@
               <a:spcAft>
                 <a:spcPts val="0"/>
               </a:spcAft>
-              <a:buNone/>
-            </a:pPr>
-            <a:endParaRPr sz="1400">
-              <a:solidFill>
-                <a:srgbClr val="CC0099"/>
-              </a:solidFill>
-              <a:latin typeface="Arial"/>
-              <a:ea typeface="Arial"/>
-              <a:cs typeface="Arial"/>
-              <a:sym typeface="Arial"/>
-            </a:endParaRPr>
-          </a:p>
-          <a:p>
-            <a:pPr marL="0" marR="0" lvl="0" indent="0" algn="l" rtl="0">
+              <a:buFont typeface="+mj-lt"/>
+              <a:buAutoNum type="arabicPeriod"/>
+            </a:pPr>
+            <a:r>
+              <a:rPr lang="en-US" sz="1400">
+                <a:solidFill>
+                  <a:srgbClr val="CC0099"/>
+                </a:solidFill>
+                <a:latin typeface="Arial"/>
+                <a:ea typeface="Arial"/>
+                <a:cs typeface="Arial"/>
+                <a:sym typeface="Arial"/>
+              </a:rPr>
+              <a:t>Get the prompt output to a variable</a:t>
+            </a:r>
+            <a:endParaRPr/>
+          </a:p>
+          <a:p>
+            <a:pPr marL="342900" marR="0" lvl="0" indent="-342900" algn="l" rtl="0">
               <a:lnSpc>
                 <a:spcPct val="107000"/>
               </a:lnSpc>
@@ -12338,7 +12419,8 @@
               <a:spcAft>
                 <a:spcPts val="0"/>
               </a:spcAft>
-              <a:buNone/>
+              <a:buFont typeface="+mj-lt"/>
+              <a:buAutoNum type="arabicPeriod"/>
             </a:pPr>
             <a:r>
               <a:rPr lang="en-US" sz="1400">
@@ -12350,12 +12432,12 @@
                 <a:cs typeface="Arial"/>
                 <a:sym typeface="Arial"/>
               </a:rPr>
-              <a:t># Get the prompt output to a variable</a:t>
+              <a:t>Print the Prompt output</a:t>
             </a:r>
             <a:endParaRPr/>
           </a:p>
           <a:p>
-            <a:pPr marL="0" marR="0" lvl="0" indent="0" algn="l" rtl="0">
+            <a:pPr marL="342900" marR="0" lvl="0" indent="-342900" algn="l" rtl="0">
               <a:lnSpc>
                 <a:spcPct val="107000"/>
               </a:lnSpc>
@@ -12365,20 +12447,25 @@
               <a:spcAft>
                 <a:spcPts val="0"/>
               </a:spcAft>
-              <a:buNone/>
-            </a:pPr>
-            <a:endParaRPr sz="1400">
-              <a:solidFill>
-                <a:srgbClr val="CC0099"/>
-              </a:solidFill>
-              <a:latin typeface="Arial"/>
-              <a:ea typeface="Arial"/>
-              <a:cs typeface="Arial"/>
-              <a:sym typeface="Arial"/>
-            </a:endParaRPr>
-          </a:p>
-          <a:p>
-            <a:pPr marL="0" marR="0" lvl="0" indent="0" algn="l" rtl="0">
+              <a:buFont typeface="+mj-lt"/>
+              <a:buAutoNum type="arabicPeriod"/>
+            </a:pPr>
+            <a:r>
+              <a:rPr lang="en-US" sz="1400">
+                <a:solidFill>
+                  <a:srgbClr val="CC0099"/>
+                </a:solidFill>
+                <a:latin typeface="Arial"/>
+                <a:ea typeface="Arial"/>
+                <a:cs typeface="Arial"/>
+                <a:sym typeface="Arial"/>
+              </a:rPr>
+              <a:t>Disconnect from the Switch</a:t>
+            </a:r>
+            <a:endParaRPr/>
+          </a:p>
+          <a:p>
+            <a:pPr marL="342900" marR="0" lvl="0" indent="-342900" algn="l" rtl="0">
               <a:lnSpc>
                 <a:spcPct val="107000"/>
               </a:lnSpc>
@@ -12388,7 +12475,8 @@
               <a:spcAft>
                 <a:spcPts val="0"/>
               </a:spcAft>
-              <a:buNone/>
+              <a:buFont typeface="+mj-lt"/>
+              <a:buAutoNum type="arabicPeriod"/>
             </a:pPr>
             <a:r>
               <a:rPr lang="en-US" sz="1400">
@@ -12400,107 +12488,7 @@
                 <a:cs typeface="Arial"/>
                 <a:sym typeface="Arial"/>
               </a:rPr>
-              <a:t># Print the Prompt output</a:t>
-            </a:r>
-            <a:endParaRPr/>
-          </a:p>
-          <a:p>
-            <a:pPr marL="0" marR="0" lvl="0" indent="0" algn="l" rtl="0">
-              <a:lnSpc>
-                <a:spcPct val="107000"/>
-              </a:lnSpc>
-              <a:spcBef>
-                <a:spcPts val="800"/>
-              </a:spcBef>
-              <a:spcAft>
-                <a:spcPts val="0"/>
-              </a:spcAft>
-              <a:buNone/>
-            </a:pPr>
-            <a:endParaRPr sz="1400">
-              <a:solidFill>
-                <a:srgbClr val="CC0099"/>
-              </a:solidFill>
-              <a:latin typeface="Arial"/>
-              <a:ea typeface="Arial"/>
-              <a:cs typeface="Arial"/>
-              <a:sym typeface="Arial"/>
-            </a:endParaRPr>
-          </a:p>
-          <a:p>
-            <a:pPr marL="0" marR="0" lvl="0" indent="0" algn="l" rtl="0">
-              <a:lnSpc>
-                <a:spcPct val="107000"/>
-              </a:lnSpc>
-              <a:spcBef>
-                <a:spcPts val="800"/>
-              </a:spcBef>
-              <a:spcAft>
-                <a:spcPts val="0"/>
-              </a:spcAft>
-              <a:buNone/>
-            </a:pPr>
-            <a:r>
-              <a:rPr lang="en-US" sz="1400">
-                <a:solidFill>
-                  <a:srgbClr val="CC0099"/>
-                </a:solidFill>
-                <a:latin typeface="Arial"/>
-                <a:ea typeface="Arial"/>
-                <a:cs typeface="Arial"/>
-                <a:sym typeface="Arial"/>
-              </a:rPr>
-              <a:t># Disconnect from the Switch</a:t>
-            </a:r>
-            <a:endParaRPr/>
-          </a:p>
-          <a:p>
-            <a:pPr marL="0" marR="0" lvl="0" indent="0" algn="l" rtl="0">
-              <a:lnSpc>
-                <a:spcPct val="107000"/>
-              </a:lnSpc>
-              <a:spcBef>
-                <a:spcPts val="800"/>
-              </a:spcBef>
-              <a:spcAft>
-                <a:spcPts val="0"/>
-              </a:spcAft>
-              <a:buNone/>
-            </a:pPr>
-            <a:endParaRPr sz="1400">
-              <a:solidFill>
-                <a:srgbClr val="CC0099"/>
-              </a:solidFill>
-              <a:latin typeface="Arial"/>
-              <a:ea typeface="Arial"/>
-              <a:cs typeface="Arial"/>
-              <a:sym typeface="Arial"/>
-            </a:endParaRPr>
-          </a:p>
-          <a:p>
-            <a:pPr marL="0" marR="0" lvl="0" indent="0" algn="l" rtl="0">
-              <a:lnSpc>
-                <a:spcPct val="107000"/>
-              </a:lnSpc>
-              <a:spcBef>
-                <a:spcPts val="800"/>
-              </a:spcBef>
-              <a:spcAft>
-                <a:spcPts val="0"/>
-              </a:spcAft>
-              <a:buNone/>
-            </a:pPr>
-            <a:r>
-              <a:rPr lang="en-US" sz="1400">
-                <a:solidFill>
-                  <a:srgbClr val="CC0099"/>
-                </a:solidFill>
-                <a:latin typeface="Arial"/>
-                <a:ea typeface="Arial"/>
-                <a:cs typeface="Arial"/>
-                <a:sym typeface="Arial"/>
-              </a:rPr>
-              <a:t># Exit</a:t>
+              <a:t>Exit</a:t>
             </a:r>
             <a:endParaRPr sz="1400">
               <a:solidFill>
@@ -13630,7 +13618,7 @@
           </a:bodyPr>
           <a:lstStyle/>
           <a:p>
-            <a:pPr marL="0" marR="0" lvl="0" indent="0" algn="l" rtl="0">
+            <a:pPr marL="342900" marR="0" lvl="0" indent="-342900" algn="l" rtl="0">
               <a:lnSpc>
                 <a:spcPct val="107000"/>
               </a:lnSpc>
@@ -13640,7 +13628,8 @@
               <a:spcAft>
                 <a:spcPts val="0"/>
               </a:spcAft>
-              <a:buNone/>
+              <a:buFont typeface="+mj-lt"/>
+              <a:buAutoNum type="arabicPeriod"/>
             </a:pPr>
             <a:r>
               <a:rPr lang="en-US" sz="1400">
@@ -13652,12 +13641,12 @@
                 <a:cs typeface="Arial"/>
                 <a:sym typeface="Arial"/>
               </a:rPr>
-              <a:t># Connect to the Switch</a:t>
+              <a:t>Connect to the Switch</a:t>
             </a:r>
             <a:endParaRPr/>
           </a:p>
           <a:p>
-            <a:pPr marL="0" marR="0" lvl="0" indent="0" algn="l" rtl="0">
+            <a:pPr marL="342900" marR="0" lvl="0" indent="-342900" algn="l" rtl="0">
               <a:lnSpc>
                 <a:spcPct val="107000"/>
               </a:lnSpc>
@@ -13667,20 +13656,25 @@
               <a:spcAft>
                 <a:spcPts val="0"/>
               </a:spcAft>
-              <a:buNone/>
-            </a:pPr>
-            <a:endParaRPr sz="1400">
-              <a:solidFill>
-                <a:srgbClr val="CC0099"/>
-              </a:solidFill>
-              <a:latin typeface="Arial"/>
-              <a:ea typeface="Arial"/>
-              <a:cs typeface="Arial"/>
-              <a:sym typeface="Arial"/>
-            </a:endParaRPr>
-          </a:p>
-          <a:p>
-            <a:pPr marL="0" marR="0" lvl="0" indent="0" algn="l" rtl="0">
+              <a:buFont typeface="+mj-lt"/>
+              <a:buAutoNum type="arabicPeriod"/>
+            </a:pPr>
+            <a:r>
+              <a:rPr lang="en-US" sz="1400">
+                <a:solidFill>
+                  <a:srgbClr val="CC0099"/>
+                </a:solidFill>
+                <a:latin typeface="Arial"/>
+                <a:ea typeface="Arial"/>
+                <a:cs typeface="Arial"/>
+                <a:sym typeface="Arial"/>
+              </a:rPr>
+              <a:t>Send a Command to get list of Active Interfaces</a:t>
+            </a:r>
+            <a:endParaRPr/>
+          </a:p>
+          <a:p>
+            <a:pPr marL="342900" marR="0" lvl="0" indent="-342900" algn="l" rtl="0">
               <a:lnSpc>
                 <a:spcPct val="107000"/>
               </a:lnSpc>
@@ -13690,7 +13684,8 @@
               <a:spcAft>
                 <a:spcPts val="0"/>
               </a:spcAft>
-              <a:buNone/>
+              <a:buFont typeface="+mj-lt"/>
+              <a:buAutoNum type="arabicPeriod"/>
             </a:pPr>
             <a:r>
               <a:rPr lang="en-US" sz="1400">
@@ -13702,12 +13697,12 @@
                 <a:cs typeface="Arial"/>
                 <a:sym typeface="Arial"/>
               </a:rPr>
-              <a:t># Send a Command to get list of Active Interfaces</a:t>
+              <a:t>Print the Command output</a:t>
             </a:r>
             <a:endParaRPr/>
           </a:p>
           <a:p>
-            <a:pPr marL="0" marR="0" lvl="0" indent="0" algn="l" rtl="0">
+            <a:pPr marL="342900" marR="0" lvl="0" indent="-342900" algn="l" rtl="0">
               <a:lnSpc>
                 <a:spcPct val="107000"/>
               </a:lnSpc>
@@ -13717,20 +13712,25 @@
               <a:spcAft>
                 <a:spcPts val="0"/>
               </a:spcAft>
-              <a:buNone/>
-            </a:pPr>
-            <a:endParaRPr sz="1400">
-              <a:solidFill>
-                <a:srgbClr val="CC0099"/>
-              </a:solidFill>
-              <a:latin typeface="Arial"/>
-              <a:ea typeface="Arial"/>
-              <a:cs typeface="Arial"/>
-              <a:sym typeface="Arial"/>
-            </a:endParaRPr>
-          </a:p>
-          <a:p>
-            <a:pPr marL="0" marR="0" lvl="0" indent="0" algn="l" rtl="0">
+              <a:buFont typeface="+mj-lt"/>
+              <a:buAutoNum type="arabicPeriod"/>
+            </a:pPr>
+            <a:r>
+              <a:rPr lang="en-US" sz="1400">
+                <a:solidFill>
+                  <a:srgbClr val="CC0099"/>
+                </a:solidFill>
+                <a:latin typeface="Arial"/>
+                <a:ea typeface="Arial"/>
+                <a:cs typeface="Arial"/>
+                <a:sym typeface="Arial"/>
+              </a:rPr>
+              <a:t>Disconnect from the Switch</a:t>
+            </a:r>
+            <a:endParaRPr/>
+          </a:p>
+          <a:p>
+            <a:pPr marL="342900" marR="0" lvl="0" indent="-342900" algn="l" rtl="0">
               <a:lnSpc>
                 <a:spcPct val="107000"/>
               </a:lnSpc>
@@ -13740,7 +13740,8 @@
               <a:spcAft>
                 <a:spcPts val="0"/>
               </a:spcAft>
-              <a:buNone/>
+              <a:buFont typeface="+mj-lt"/>
+              <a:buAutoNum type="arabicPeriod"/>
             </a:pPr>
             <a:r>
               <a:rPr lang="en-US" sz="1400">
@@ -13752,107 +13753,7 @@
                 <a:cs typeface="Arial"/>
                 <a:sym typeface="Arial"/>
               </a:rPr>
-              <a:t># Print the Command output</a:t>
-            </a:r>
-            <a:endParaRPr/>
-          </a:p>
-          <a:p>
-            <a:pPr marL="0" marR="0" lvl="0" indent="0" algn="l" rtl="0">
-              <a:lnSpc>
-                <a:spcPct val="107000"/>
-              </a:lnSpc>
-              <a:spcBef>
-                <a:spcPts val="800"/>
-              </a:spcBef>
-              <a:spcAft>
-                <a:spcPts val="0"/>
-              </a:spcAft>
-              <a:buNone/>
-            </a:pPr>
-            <a:endParaRPr sz="1400">
-              <a:solidFill>
-                <a:srgbClr val="CC0099"/>
-              </a:solidFill>
-              <a:latin typeface="Arial"/>
-              <a:ea typeface="Arial"/>
-              <a:cs typeface="Arial"/>
-              <a:sym typeface="Arial"/>
-            </a:endParaRPr>
-          </a:p>
-          <a:p>
-            <a:pPr marL="0" marR="0" lvl="0" indent="0" algn="l" rtl="0">
-              <a:lnSpc>
-                <a:spcPct val="107000"/>
-              </a:lnSpc>
-              <a:spcBef>
-                <a:spcPts val="800"/>
-              </a:spcBef>
-              <a:spcAft>
-                <a:spcPts val="0"/>
-              </a:spcAft>
-              <a:buNone/>
-            </a:pPr>
-            <a:r>
-              <a:rPr lang="en-US" sz="1400">
-                <a:solidFill>
-                  <a:srgbClr val="CC0099"/>
-                </a:solidFill>
-                <a:latin typeface="Arial"/>
-                <a:ea typeface="Arial"/>
-                <a:cs typeface="Arial"/>
-                <a:sym typeface="Arial"/>
-              </a:rPr>
-              <a:t># Disconnect from the Switch</a:t>
-            </a:r>
-            <a:endParaRPr/>
-          </a:p>
-          <a:p>
-            <a:pPr marL="0" marR="0" lvl="0" indent="0" algn="l" rtl="0">
-              <a:lnSpc>
-                <a:spcPct val="107000"/>
-              </a:lnSpc>
-              <a:spcBef>
-                <a:spcPts val="800"/>
-              </a:spcBef>
-              <a:spcAft>
-                <a:spcPts val="0"/>
-              </a:spcAft>
-              <a:buNone/>
-            </a:pPr>
-            <a:endParaRPr sz="1400">
-              <a:solidFill>
-                <a:srgbClr val="CC0099"/>
-              </a:solidFill>
-              <a:latin typeface="Arial"/>
-              <a:ea typeface="Arial"/>
-              <a:cs typeface="Arial"/>
-              <a:sym typeface="Arial"/>
-            </a:endParaRPr>
-          </a:p>
-          <a:p>
-            <a:pPr marL="0" marR="0" lvl="0" indent="0" algn="l" rtl="0">
-              <a:lnSpc>
-                <a:spcPct val="107000"/>
-              </a:lnSpc>
-              <a:spcBef>
-                <a:spcPts val="800"/>
-              </a:spcBef>
-              <a:spcAft>
-                <a:spcPts val="0"/>
-              </a:spcAft>
-              <a:buNone/>
-            </a:pPr>
-            <a:r>
-              <a:rPr lang="en-US" sz="1400">
-                <a:solidFill>
-                  <a:srgbClr val="CC0099"/>
-                </a:solidFill>
-                <a:latin typeface="Arial"/>
-                <a:ea typeface="Arial"/>
-                <a:cs typeface="Arial"/>
-                <a:sym typeface="Arial"/>
-              </a:rPr>
-              <a:t># Exit</a:t>
+              <a:t>Exit</a:t>
             </a:r>
             <a:endParaRPr sz="1400">
               <a:solidFill>
@@ -23571,7 +23472,7 @@
                 <a:cs typeface="Arial"/>
                 <a:sym typeface="Arial"/>
               </a:rPr>
-              <a:t>The goal of the class is to have each engineer complete the following tasks:</a:t>
+              <a:t>The goal of the class is to complete the following tasks:</a:t>
             </a:r>
             <a:endParaRPr dirty="0"/>
           </a:p>
@@ -23663,7 +23564,7 @@
                 <a:cs typeface="Arial"/>
                 <a:sym typeface="Arial"/>
               </a:rPr>
-              <a:t>3. Create a VLAN sub-interface on each of the 3 ports and set the Description of the interface to their name.</a:t>
+              <a:t>3. Create a VLAN sub-interface on each of the 3 ports.</a:t>
             </a:r>
             <a:endParaRPr sz="1800" dirty="0">
               <a:solidFill>
@@ -25385,7 +25286,7 @@
 </file>
 
 <file path=ppt/slides/slide5.xml><?xml version="1.0" encoding="utf-8"?>
-<p:sld xmlns:a="http://schemas.openxmlformats.org/drawingml/2006/main" xmlns:r="http://schemas.openxmlformats.org/officeDocument/2006/relationships" xmlns:p="http://schemas.openxmlformats.org/presentationml/2006/main">
+<p:sld xmlns:a="http://schemas.openxmlformats.org/drawingml/2006/main" xmlns:r="http://schemas.openxmlformats.org/officeDocument/2006/relationships" xmlns:p="http://schemas.openxmlformats.org/presentationml/2006/main" show="0">
   <p:cSld>
     <p:spTree>
       <p:nvGrpSpPr>
@@ -25785,7 +25686,7 @@
 </file>
 
 <file path=ppt/slides/slide6.xml><?xml version="1.0" encoding="utf-8"?>
-<p:sld xmlns:a="http://schemas.openxmlformats.org/drawingml/2006/main" xmlns:r="http://schemas.openxmlformats.org/officeDocument/2006/relationships" xmlns:p="http://schemas.openxmlformats.org/presentationml/2006/main">
+<p:sld xmlns:a="http://schemas.openxmlformats.org/drawingml/2006/main" xmlns:r="http://schemas.openxmlformats.org/officeDocument/2006/relationships" xmlns:p="http://schemas.openxmlformats.org/presentationml/2006/main" show="0">
   <p:cSld>
     <p:spTree>
       <p:nvGrpSpPr>
@@ -26826,65 +26727,6 @@
                 <a:sym typeface="Arial"/>
               </a:rPr>
               <a:t>	</a:t>
-            </a:r>
-            <a:r>
-              <a:rPr lang="en-US" sz="1800" i="1">
-                <a:solidFill>
-                  <a:schemeClr val="dk1"/>
-                </a:solidFill>
-                <a:latin typeface="Arial"/>
-                <a:ea typeface="Arial"/>
-                <a:cs typeface="Arial"/>
-                <a:sym typeface="Arial"/>
-              </a:rPr>
-              <a:t>From location you saved the file: </a:t>
-            </a:r>
-            <a:r>
-              <a:rPr lang="en-US" sz="1800">
-                <a:solidFill>
-                  <a:schemeClr val="dk1"/>
-                </a:solidFill>
-                <a:latin typeface="Arial"/>
-                <a:ea typeface="Arial"/>
-                <a:cs typeface="Arial"/>
-                <a:sym typeface="Arial"/>
-              </a:rPr>
-              <a:t>python hellonetwork.py </a:t>
-            </a:r>
-            <a:endParaRPr sz="1800" i="1">
-              <a:solidFill>
-                <a:schemeClr val="dk1"/>
-              </a:solidFill>
-              <a:latin typeface="Arial"/>
-              <a:ea typeface="Arial"/>
-              <a:cs typeface="Arial"/>
-              <a:sym typeface="Arial"/>
-            </a:endParaRPr>
-          </a:p>
-          <a:p>
-            <a:pPr marL="0" marR="0" lvl="0" indent="0" algn="l" rtl="0">
-              <a:lnSpc>
-                <a:spcPct val="107000"/>
-              </a:lnSpc>
-              <a:spcBef>
-                <a:spcPts val="800"/>
-              </a:spcBef>
-              <a:spcAft>
-                <a:spcPts val="0"/>
-              </a:spcAft>
-              <a:buNone/>
-            </a:pPr>
-            <a:r>
-              <a:rPr lang="en-US" sz="1800" i="1">
-                <a:solidFill>
-                  <a:schemeClr val="dk1"/>
-                </a:solidFill>
-                <a:latin typeface="Arial"/>
-                <a:ea typeface="Arial"/>
-                <a:cs typeface="Arial"/>
-                <a:sym typeface="Arial"/>
-              </a:rPr>
-              <a:t>	or: python3 hellonetwork.py</a:t>
             </a:r>
             <a:endParaRPr/>
           </a:p>
@@ -27968,9 +27810,28 @@
 </file>
 
 <file path=customXml/itemProps1.xml><?xml version="1.0" encoding="utf-8"?>
-<ds:datastoreItem xmlns:ds="http://schemas.openxmlformats.org/officeDocument/2006/customXml" ds:itemID="{DC5E1FE8-56E3-4EB1-8C24-D4C62D2B119A}"/>
+<ds:datastoreItem xmlns:ds="http://schemas.openxmlformats.org/officeDocument/2006/customXml" ds:itemID="{DC5E1FE8-56E3-4EB1-8C24-D4C62D2B119A}">
+  <ds:schemaRefs>
+    <ds:schemaRef ds:uri="http://schemas.microsoft.com/office/2006/metadata/contentType"/>
+    <ds:schemaRef ds:uri="http://schemas.microsoft.com/office/2006/metadata/properties/metaAttributes"/>
+    <ds:schemaRef ds:uri="http://www.w3.org/2001/XMLSchema"/>
+    <ds:schemaRef ds:uri="http://schemas.microsoft.com/office/2006/metadata/properties"/>
+    <ds:schemaRef ds:uri="65a04930-b38f-4c89-97ac-3bef81b7423f"/>
+    <ds:schemaRef ds:uri="18d41721-174d-4cc9-b3f4-b4ed53ef4151"/>
+    <ds:schemaRef ds:uri="http://schemas.microsoft.com/office/2006/documentManagement/types"/>
+    <ds:schemaRef ds:uri="http://schemas.microsoft.com/office/infopath/2007/PartnerControls"/>
+    <ds:schemaRef ds:uri="http://schemas.openxmlformats.org/package/2006/metadata/core-properties"/>
+    <ds:schemaRef ds:uri="http://purl.org/dc/elements/1.1/"/>
+    <ds:schemaRef ds:uri="http://purl.org/dc/terms/"/>
+    <ds:schemaRef ds:uri="http://schemas.microsoft.com/internal/obd"/>
+  </ds:schemaRefs>
+</ds:datastoreItem>
 </file>
 
 <file path=customXml/itemProps2.xml><?xml version="1.0" encoding="utf-8"?>
-<ds:datastoreItem xmlns:ds="http://schemas.openxmlformats.org/officeDocument/2006/customXml" ds:itemID="{069D27EF-12C7-495E-B9F9-C35C2579DC47}"/>
+<ds:datastoreItem xmlns:ds="http://schemas.openxmlformats.org/officeDocument/2006/customXml" ds:itemID="{069D27EF-12C7-495E-B9F9-C35C2579DC47}">
+  <ds:schemaRefs>
+    <ds:schemaRef ds:uri="http://schemas.microsoft.com/sharepoint/v3/contenttype/forms"/>
+  </ds:schemaRefs>
+</ds:datastoreItem>
 </file>